--- a/HJDX/一期大数据分析平台汇报.pptx
+++ b/HJDX/一期大数据分析平台汇报.pptx
@@ -10530,7 +10530,7 @@
           <a:p>
             <a:fld id="{DC845AF8-7501-46C7-9BEC-D75838DC76EC}" type="datetimeFigureOut">
               <a:rPr lang="zh-CN" altLang="en-US" smtClean="0"/>
-              <a:t>2016/12/20</a:t>
+              <a:t>17/2/27</a:t>
             </a:fld>
             <a:endParaRPr lang="zh-CN" altLang="en-US"/>
           </a:p>
@@ -10695,7 +10695,7 @@
           <a:p>
             <a:fld id="{8573B58E-BD60-4418-87EB-B88F2BEC1437}" type="datetimeFigureOut">
               <a:rPr lang="zh-CN" altLang="en-US" smtClean="0"/>
-              <a:t>2016/12/20</a:t>
+              <a:t>17/2/27</a:t>
             </a:fld>
             <a:endParaRPr lang="zh-CN" altLang="en-US"/>
           </a:p>
@@ -25096,13 +25096,6 @@
               </a:rPr>
               <a:t>）</a:t>
             </a:r>
-            <a:endParaRPr lang="zh-CN" altLang="en-US" sz="900" b="1" dirty="0">
-              <a:solidFill>
-                <a:srgbClr val="3C3C3B"/>
-              </a:solidFill>
-              <a:latin typeface="微软雅黑" pitchFamily="34" charset="-122"/>
-              <a:ea typeface="微软雅黑" pitchFamily="34" charset="-122"/>
-            </a:endParaRPr>
           </a:p>
           <a:p>
             <a:pPr marL="130969" indent="-130969">
@@ -25410,17 +25403,7 @@
                 <a:latin typeface="微软雅黑" pitchFamily="34" charset="-122"/>
                 <a:ea typeface="微软雅黑" pitchFamily="34" charset="-122"/>
               </a:rPr>
-              <a:t>供应链金融</a:t>
-            </a:r>
-            <a:r>
-              <a:rPr lang="zh-CN" altLang="en-US" sz="900" b="1" dirty="0" smtClean="0">
-                <a:solidFill>
-                  <a:srgbClr val="3C3C3B"/>
-                </a:solidFill>
-                <a:latin typeface="微软雅黑" pitchFamily="34" charset="-122"/>
-                <a:ea typeface="微软雅黑" pitchFamily="34" charset="-122"/>
-              </a:rPr>
-              <a:t>专题</a:t>
+              <a:t>供应链金融专题</a:t>
             </a:r>
             <a:r>
               <a:rPr lang="zh-CN" altLang="en-US" sz="900" b="1" dirty="0">
